--- a/Presentation.pptx
+++ b/Presentation.pptx
@@ -5,7 +5,7 @@
     <p:sldMasterId id="2147483648" r:id="rId1"/>
   </p:sldMasterIdLst>
   <p:notesMasterIdLst>
-    <p:notesMasterId r:id="rId7"/>
+    <p:notesMasterId r:id="rId17"/>
   </p:notesMasterIdLst>
   <p:sldIdLst>
     <p:sldId id="256" r:id="rId2"/>
@@ -13,6 +13,16 @@
     <p:sldId id="258" r:id="rId4"/>
     <p:sldId id="259" r:id="rId5"/>
     <p:sldId id="260" r:id="rId6"/>
+    <p:sldId id="261" r:id="rId7"/>
+    <p:sldId id="262" r:id="rId8"/>
+    <p:sldId id="263" r:id="rId9"/>
+    <p:sldId id="264" r:id="rId10"/>
+    <p:sldId id="265" r:id="rId11"/>
+    <p:sldId id="266" r:id="rId12"/>
+    <p:sldId id="267" r:id="rId13"/>
+    <p:sldId id="270" r:id="rId14"/>
+    <p:sldId id="268" r:id="rId15"/>
+    <p:sldId id="269" r:id="rId16"/>
   </p:sldIdLst>
   <p:sldSz cx="12192000" cy="6858000"/>
   <p:notesSz cx="6858000" cy="9144000"/>
@@ -201,7 +211,7 @@
           <a:p>
             <a:fld id="{E8F6FA7A-B3E1-46F3-B9A9-8113943055C6}" type="datetimeFigureOut">
               <a:rPr lang="en-US"/>
-              <a:t>7/10/2017</a:t>
+              <a:t>7/12/2017</a:t>
             </a:fld>
             <a:endParaRPr lang="en-US"/>
           </a:p>
@@ -533,7 +543,7 @@
           <a:p>
             <a:fld id="{103BE25F-A7DE-45AC-A340-5D390290421E}" type="slidenum">
               <a:rPr lang="en-US"/>
-              <a:t>‹#›</a:t>
+              <a:t>2</a:t>
             </a:fld>
             <a:endParaRPr lang="en-US"/>
           </a:p>
@@ -543,6 +553,426 @@
     <p:extLst>
       <p:ext uri="{BB962C8B-B14F-4D97-AF65-F5344CB8AC3E}">
         <p14:creationId xmlns:p14="http://schemas.microsoft.com/office/powerpoint/2010/main" val="504497777"/>
+      </p:ext>
+    </p:extLst>
+  </p:cSld>
+  <p:clrMapOvr>
+    <a:masterClrMapping/>
+  </p:clrMapOvr>
+</p:notes>
+</file>
+
+<file path=ppt/notesSlides/notesSlide10.xml><?xml version="1.0" encoding="utf-8"?>
+<p:notes xmlns:a="http://schemas.openxmlformats.org/drawingml/2006/main" xmlns:r="http://schemas.openxmlformats.org/officeDocument/2006/relationships" xmlns:p="http://schemas.openxmlformats.org/presentationml/2006/main">
+  <p:cSld>
+    <p:spTree>
+      <p:nvGrpSpPr>
+        <p:cNvPr id="1" name=""/>
+        <p:cNvGrpSpPr/>
+        <p:nvPr/>
+      </p:nvGrpSpPr>
+      <p:grpSpPr>
+        <a:xfrm>
+          <a:off x="0" y="0"/>
+          <a:ext cx="0" cy="0"/>
+          <a:chOff x="0" y="0"/>
+          <a:chExt cx="0" cy="0"/>
+        </a:xfrm>
+      </p:grpSpPr>
+      <p:sp>
+        <p:nvSpPr>
+          <p:cNvPr id="2" name="Slide Image Placeholder 1"/>
+          <p:cNvSpPr>
+            <a:spLocks noGrp="1" noRot="1" noChangeAspect="1"/>
+          </p:cNvSpPr>
+          <p:nvPr>
+            <p:ph type="sldImg"/>
+          </p:nvPr>
+        </p:nvSpPr>
+        <p:spPr/>
+      </p:sp>
+      <p:sp>
+        <p:nvSpPr>
+          <p:cNvPr id="3" name="Notes Placeholder 2"/>
+          <p:cNvSpPr>
+            <a:spLocks noGrp="1"/>
+          </p:cNvSpPr>
+          <p:nvPr>
+            <p:ph type="body" idx="1"/>
+          </p:nvPr>
+        </p:nvSpPr>
+        <p:spPr/>
+        <p:txBody>
+          <a:bodyPr/>
+          <a:lstStyle/>
+          <a:p>
+            <a:endParaRPr lang="en-US"/>
+          </a:p>
+        </p:txBody>
+      </p:sp>
+      <p:sp>
+        <p:nvSpPr>
+          <p:cNvPr id="4" name="Slide Number Placeholder 3"/>
+          <p:cNvSpPr>
+            <a:spLocks noGrp="1"/>
+          </p:cNvSpPr>
+          <p:nvPr>
+            <p:ph type="sldNum" sz="quarter" idx="10"/>
+          </p:nvPr>
+        </p:nvSpPr>
+        <p:spPr/>
+        <p:txBody>
+          <a:bodyPr/>
+          <a:lstStyle/>
+          <a:p>
+            <a:fld id="{103BE25F-A7DE-45AC-A340-5D390290421E}" type="slidenum">
+              <a:rPr lang="en-US"/>
+              <a:t>6</a:t>
+            </a:fld>
+            <a:endParaRPr lang="en-US"/>
+          </a:p>
+        </p:txBody>
+      </p:sp>
+    </p:spTree>
+    <p:extLst>
+      <p:ext uri="{BB962C8B-B14F-4D97-AF65-F5344CB8AC3E}">
+        <p14:creationId xmlns:p14="http://schemas.microsoft.com/office/powerpoint/2010/main" val="2743234069"/>
+      </p:ext>
+    </p:extLst>
+  </p:cSld>
+  <p:clrMapOvr>
+    <a:masterClrMapping/>
+  </p:clrMapOvr>
+</p:notes>
+</file>
+
+<file path=ppt/notesSlides/notesSlide11.xml><?xml version="1.0" encoding="utf-8"?>
+<p:notes xmlns:a="http://schemas.openxmlformats.org/drawingml/2006/main" xmlns:r="http://schemas.openxmlformats.org/officeDocument/2006/relationships" xmlns:p="http://schemas.openxmlformats.org/presentationml/2006/main">
+  <p:cSld>
+    <p:spTree>
+      <p:nvGrpSpPr>
+        <p:cNvPr id="1" name=""/>
+        <p:cNvGrpSpPr/>
+        <p:nvPr/>
+      </p:nvGrpSpPr>
+      <p:grpSpPr>
+        <a:xfrm>
+          <a:off x="0" y="0"/>
+          <a:ext cx="0" cy="0"/>
+          <a:chOff x="0" y="0"/>
+          <a:chExt cx="0" cy="0"/>
+        </a:xfrm>
+      </p:grpSpPr>
+      <p:sp>
+        <p:nvSpPr>
+          <p:cNvPr id="2" name="Slide Image Placeholder 1"/>
+          <p:cNvSpPr>
+            <a:spLocks noGrp="1" noRot="1" noChangeAspect="1"/>
+          </p:cNvSpPr>
+          <p:nvPr>
+            <p:ph type="sldImg"/>
+          </p:nvPr>
+        </p:nvSpPr>
+        <p:spPr/>
+      </p:sp>
+      <p:sp>
+        <p:nvSpPr>
+          <p:cNvPr id="3" name="Notes Placeholder 2"/>
+          <p:cNvSpPr>
+            <a:spLocks noGrp="1"/>
+          </p:cNvSpPr>
+          <p:nvPr>
+            <p:ph type="body" idx="1"/>
+          </p:nvPr>
+        </p:nvSpPr>
+        <p:spPr/>
+        <p:txBody>
+          <a:bodyPr/>
+          <a:lstStyle/>
+          <a:p>
+            <a:endParaRPr lang="en-US"/>
+          </a:p>
+        </p:txBody>
+      </p:sp>
+      <p:sp>
+        <p:nvSpPr>
+          <p:cNvPr id="4" name="Slide Number Placeholder 3"/>
+          <p:cNvSpPr>
+            <a:spLocks noGrp="1"/>
+          </p:cNvSpPr>
+          <p:nvPr>
+            <p:ph type="sldNum" sz="quarter" idx="10"/>
+          </p:nvPr>
+        </p:nvSpPr>
+        <p:spPr/>
+        <p:txBody>
+          <a:bodyPr/>
+          <a:lstStyle/>
+          <a:p>
+            <a:fld id="{103BE25F-A7DE-45AC-A340-5D390290421E}" type="slidenum">
+              <a:rPr lang="en-US"/>
+              <a:t>12</a:t>
+            </a:fld>
+            <a:endParaRPr lang="en-US"/>
+          </a:p>
+        </p:txBody>
+      </p:sp>
+    </p:spTree>
+    <p:extLst>
+      <p:ext uri="{BB962C8B-B14F-4D97-AF65-F5344CB8AC3E}">
+        <p14:creationId xmlns:p14="http://schemas.microsoft.com/office/powerpoint/2010/main" val="3976279401"/>
+      </p:ext>
+    </p:extLst>
+  </p:cSld>
+  <p:clrMapOvr>
+    <a:masterClrMapping/>
+  </p:clrMapOvr>
+</p:notes>
+</file>
+
+<file path=ppt/notesSlides/notesSlide12.xml><?xml version="1.0" encoding="utf-8"?>
+<p:notes xmlns:a="http://schemas.openxmlformats.org/drawingml/2006/main" xmlns:r="http://schemas.openxmlformats.org/officeDocument/2006/relationships" xmlns:p="http://schemas.openxmlformats.org/presentationml/2006/main">
+  <p:cSld>
+    <p:spTree>
+      <p:nvGrpSpPr>
+        <p:cNvPr id="1" name=""/>
+        <p:cNvGrpSpPr/>
+        <p:nvPr/>
+      </p:nvGrpSpPr>
+      <p:grpSpPr>
+        <a:xfrm>
+          <a:off x="0" y="0"/>
+          <a:ext cx="0" cy="0"/>
+          <a:chOff x="0" y="0"/>
+          <a:chExt cx="0" cy="0"/>
+        </a:xfrm>
+      </p:grpSpPr>
+      <p:sp>
+        <p:nvSpPr>
+          <p:cNvPr id="2" name="Slide Image Placeholder 1"/>
+          <p:cNvSpPr>
+            <a:spLocks noGrp="1" noRot="1" noChangeAspect="1"/>
+          </p:cNvSpPr>
+          <p:nvPr>
+            <p:ph type="sldImg"/>
+          </p:nvPr>
+        </p:nvSpPr>
+        <p:spPr/>
+      </p:sp>
+      <p:sp>
+        <p:nvSpPr>
+          <p:cNvPr id="3" name="Notes Placeholder 2"/>
+          <p:cNvSpPr>
+            <a:spLocks noGrp="1"/>
+          </p:cNvSpPr>
+          <p:nvPr>
+            <p:ph type="body" idx="1"/>
+          </p:nvPr>
+        </p:nvSpPr>
+        <p:spPr/>
+        <p:txBody>
+          <a:bodyPr/>
+          <a:lstStyle/>
+          <a:p>
+            <a:endParaRPr lang="en-US"/>
+          </a:p>
+        </p:txBody>
+      </p:sp>
+      <p:sp>
+        <p:nvSpPr>
+          <p:cNvPr id="4" name="Slide Number Placeholder 3"/>
+          <p:cNvSpPr>
+            <a:spLocks noGrp="1"/>
+          </p:cNvSpPr>
+          <p:nvPr>
+            <p:ph type="sldNum" sz="quarter" idx="10"/>
+          </p:nvPr>
+        </p:nvSpPr>
+        <p:spPr/>
+        <p:txBody>
+          <a:bodyPr/>
+          <a:lstStyle/>
+          <a:p>
+            <a:fld id="{103BE25F-A7DE-45AC-A340-5D390290421E}" type="slidenum">
+              <a:rPr lang="en-US"/>
+              <a:t>11</a:t>
+            </a:fld>
+            <a:endParaRPr lang="en-US"/>
+          </a:p>
+        </p:txBody>
+      </p:sp>
+    </p:spTree>
+    <p:extLst>
+      <p:ext uri="{BB962C8B-B14F-4D97-AF65-F5344CB8AC3E}">
+        <p14:creationId xmlns:p14="http://schemas.microsoft.com/office/powerpoint/2010/main" val="877469546"/>
+      </p:ext>
+    </p:extLst>
+  </p:cSld>
+  <p:clrMapOvr>
+    <a:masterClrMapping/>
+  </p:clrMapOvr>
+</p:notes>
+</file>
+
+<file path=ppt/notesSlides/notesSlide13.xml><?xml version="1.0" encoding="utf-8"?>
+<p:notes xmlns:a="http://schemas.openxmlformats.org/drawingml/2006/main" xmlns:r="http://schemas.openxmlformats.org/officeDocument/2006/relationships" xmlns:p="http://schemas.openxmlformats.org/presentationml/2006/main">
+  <p:cSld>
+    <p:spTree>
+      <p:nvGrpSpPr>
+        <p:cNvPr id="1" name=""/>
+        <p:cNvGrpSpPr/>
+        <p:nvPr/>
+      </p:nvGrpSpPr>
+      <p:grpSpPr>
+        <a:xfrm>
+          <a:off x="0" y="0"/>
+          <a:ext cx="0" cy="0"/>
+          <a:chOff x="0" y="0"/>
+          <a:chExt cx="0" cy="0"/>
+        </a:xfrm>
+      </p:grpSpPr>
+      <p:sp>
+        <p:nvSpPr>
+          <p:cNvPr id="2" name="Slide Image Placeholder 1"/>
+          <p:cNvSpPr>
+            <a:spLocks noGrp="1" noRot="1" noChangeAspect="1"/>
+          </p:cNvSpPr>
+          <p:nvPr>
+            <p:ph type="sldImg"/>
+          </p:nvPr>
+        </p:nvSpPr>
+        <p:spPr/>
+      </p:sp>
+      <p:sp>
+        <p:nvSpPr>
+          <p:cNvPr id="3" name="Notes Placeholder 2"/>
+          <p:cNvSpPr>
+            <a:spLocks noGrp="1"/>
+          </p:cNvSpPr>
+          <p:nvPr>
+            <p:ph type="body" idx="1"/>
+          </p:nvPr>
+        </p:nvSpPr>
+        <p:spPr/>
+        <p:txBody>
+          <a:bodyPr/>
+          <a:lstStyle/>
+          <a:p>
+            <a:endParaRPr lang="en-US"/>
+          </a:p>
+        </p:txBody>
+      </p:sp>
+      <p:sp>
+        <p:nvSpPr>
+          <p:cNvPr id="4" name="Slide Number Placeholder 3"/>
+          <p:cNvSpPr>
+            <a:spLocks noGrp="1"/>
+          </p:cNvSpPr>
+          <p:nvPr>
+            <p:ph type="sldNum" sz="quarter" idx="10"/>
+          </p:nvPr>
+        </p:nvSpPr>
+        <p:spPr/>
+        <p:txBody>
+          <a:bodyPr/>
+          <a:lstStyle/>
+          <a:p>
+            <a:fld id="{103BE25F-A7DE-45AC-A340-5D390290421E}" type="slidenum">
+              <a:rPr lang="en-US"/>
+              <a:t>11</a:t>
+            </a:fld>
+            <a:endParaRPr lang="en-US"/>
+          </a:p>
+        </p:txBody>
+      </p:sp>
+    </p:spTree>
+    <p:extLst>
+      <p:ext uri="{BB962C8B-B14F-4D97-AF65-F5344CB8AC3E}">
+        <p14:creationId xmlns:p14="http://schemas.microsoft.com/office/powerpoint/2010/main" val="721392079"/>
+      </p:ext>
+    </p:extLst>
+  </p:cSld>
+  <p:clrMapOvr>
+    <a:masterClrMapping/>
+  </p:clrMapOvr>
+</p:notes>
+</file>
+
+<file path=ppt/notesSlides/notesSlide14.xml><?xml version="1.0" encoding="utf-8"?>
+<p:notes xmlns:a="http://schemas.openxmlformats.org/drawingml/2006/main" xmlns:r="http://schemas.openxmlformats.org/officeDocument/2006/relationships" xmlns:p="http://schemas.openxmlformats.org/presentationml/2006/main">
+  <p:cSld>
+    <p:spTree>
+      <p:nvGrpSpPr>
+        <p:cNvPr id="1" name=""/>
+        <p:cNvGrpSpPr/>
+        <p:nvPr/>
+      </p:nvGrpSpPr>
+      <p:grpSpPr>
+        <a:xfrm>
+          <a:off x="0" y="0"/>
+          <a:ext cx="0" cy="0"/>
+          <a:chOff x="0" y="0"/>
+          <a:chExt cx="0" cy="0"/>
+        </a:xfrm>
+      </p:grpSpPr>
+      <p:sp>
+        <p:nvSpPr>
+          <p:cNvPr id="2" name="Slide Image Placeholder 1"/>
+          <p:cNvSpPr>
+            <a:spLocks noGrp="1" noRot="1" noChangeAspect="1"/>
+          </p:cNvSpPr>
+          <p:nvPr>
+            <p:ph type="sldImg"/>
+          </p:nvPr>
+        </p:nvSpPr>
+        <p:spPr/>
+      </p:sp>
+      <p:sp>
+        <p:nvSpPr>
+          <p:cNvPr id="3" name="Notes Placeholder 2"/>
+          <p:cNvSpPr>
+            <a:spLocks noGrp="1"/>
+          </p:cNvSpPr>
+          <p:nvPr>
+            <p:ph type="body" idx="1"/>
+          </p:nvPr>
+        </p:nvSpPr>
+        <p:spPr/>
+        <p:txBody>
+          <a:bodyPr/>
+          <a:lstStyle/>
+          <a:p>
+            <a:endParaRPr lang="en-US"/>
+          </a:p>
+        </p:txBody>
+      </p:sp>
+      <p:sp>
+        <p:nvSpPr>
+          <p:cNvPr id="4" name="Slide Number Placeholder 3"/>
+          <p:cNvSpPr>
+            <a:spLocks noGrp="1"/>
+          </p:cNvSpPr>
+          <p:nvPr>
+            <p:ph type="sldNum" sz="quarter" idx="10"/>
+          </p:nvPr>
+        </p:nvSpPr>
+        <p:spPr/>
+        <p:txBody>
+          <a:bodyPr/>
+          <a:lstStyle/>
+          <a:p>
+            <a:fld id="{103BE25F-A7DE-45AC-A340-5D390290421E}" type="slidenum">
+              <a:rPr lang="en-US"/>
+              <a:t>13</a:t>
+            </a:fld>
+            <a:endParaRPr lang="en-US"/>
+          </a:p>
+        </p:txBody>
+      </p:sp>
+    </p:spTree>
+    <p:extLst>
+      <p:ext uri="{BB962C8B-B14F-4D97-AF65-F5344CB8AC3E}">
+        <p14:creationId xmlns:p14="http://schemas.microsoft.com/office/powerpoint/2010/main" val="3549033828"/>
       </p:ext>
     </p:extLst>
   </p:cSld>
@@ -617,7 +1047,7 @@
           <a:p>
             <a:fld id="{103BE25F-A7DE-45AC-A340-5D390290421E}" type="slidenum">
               <a:rPr lang="en-US"/>
-              <a:t>‹#›</a:t>
+              <a:t>3</a:t>
             </a:fld>
             <a:endParaRPr lang="en-US"/>
           </a:p>
@@ -795,6 +1225,426 @@
     <p:extLst>
       <p:ext uri="{BB962C8B-B14F-4D97-AF65-F5344CB8AC3E}">
         <p14:creationId xmlns:p14="http://schemas.microsoft.com/office/powerpoint/2010/main" val="546759125"/>
+      </p:ext>
+    </p:extLst>
+  </p:cSld>
+  <p:clrMapOvr>
+    <a:masterClrMapping/>
+  </p:clrMapOvr>
+</p:notes>
+</file>
+
+<file path=ppt/notesSlides/notesSlide5.xml><?xml version="1.0" encoding="utf-8"?>
+<p:notes xmlns:a="http://schemas.openxmlformats.org/drawingml/2006/main" xmlns:r="http://schemas.openxmlformats.org/officeDocument/2006/relationships" xmlns:p="http://schemas.openxmlformats.org/presentationml/2006/main">
+  <p:cSld>
+    <p:spTree>
+      <p:nvGrpSpPr>
+        <p:cNvPr id="1" name=""/>
+        <p:cNvGrpSpPr/>
+        <p:nvPr/>
+      </p:nvGrpSpPr>
+      <p:grpSpPr>
+        <a:xfrm>
+          <a:off x="0" y="0"/>
+          <a:ext cx="0" cy="0"/>
+          <a:chOff x="0" y="0"/>
+          <a:chExt cx="0" cy="0"/>
+        </a:xfrm>
+      </p:grpSpPr>
+      <p:sp>
+        <p:nvSpPr>
+          <p:cNvPr id="2" name="Slide Image Placeholder 1"/>
+          <p:cNvSpPr>
+            <a:spLocks noGrp="1" noRot="1" noChangeAspect="1"/>
+          </p:cNvSpPr>
+          <p:nvPr>
+            <p:ph type="sldImg"/>
+          </p:nvPr>
+        </p:nvSpPr>
+        <p:spPr/>
+      </p:sp>
+      <p:sp>
+        <p:nvSpPr>
+          <p:cNvPr id="3" name="Notes Placeholder 2"/>
+          <p:cNvSpPr>
+            <a:spLocks noGrp="1"/>
+          </p:cNvSpPr>
+          <p:nvPr>
+            <p:ph type="body" idx="1"/>
+          </p:nvPr>
+        </p:nvSpPr>
+        <p:spPr/>
+        <p:txBody>
+          <a:bodyPr/>
+          <a:lstStyle/>
+          <a:p>
+            <a:endParaRPr lang="en-US"/>
+          </a:p>
+        </p:txBody>
+      </p:sp>
+      <p:sp>
+        <p:nvSpPr>
+          <p:cNvPr id="4" name="Slide Number Placeholder 3"/>
+          <p:cNvSpPr>
+            <a:spLocks noGrp="1"/>
+          </p:cNvSpPr>
+          <p:nvPr>
+            <p:ph type="sldNum" sz="quarter" idx="10"/>
+          </p:nvPr>
+        </p:nvSpPr>
+        <p:spPr/>
+        <p:txBody>
+          <a:bodyPr/>
+          <a:lstStyle/>
+          <a:p>
+            <a:fld id="{103BE25F-A7DE-45AC-A340-5D390290421E}" type="slidenum">
+              <a:rPr lang="en-US"/>
+              <a:t>6</a:t>
+            </a:fld>
+            <a:endParaRPr lang="en-US"/>
+          </a:p>
+        </p:txBody>
+      </p:sp>
+    </p:spTree>
+    <p:extLst>
+      <p:ext uri="{BB962C8B-B14F-4D97-AF65-F5344CB8AC3E}">
+        <p14:creationId xmlns:p14="http://schemas.microsoft.com/office/powerpoint/2010/main" val="2305737805"/>
+      </p:ext>
+    </p:extLst>
+  </p:cSld>
+  <p:clrMapOvr>
+    <a:masterClrMapping/>
+  </p:clrMapOvr>
+</p:notes>
+</file>
+
+<file path=ppt/notesSlides/notesSlide6.xml><?xml version="1.0" encoding="utf-8"?>
+<p:notes xmlns:a="http://schemas.openxmlformats.org/drawingml/2006/main" xmlns:r="http://schemas.openxmlformats.org/officeDocument/2006/relationships" xmlns:p="http://schemas.openxmlformats.org/presentationml/2006/main">
+  <p:cSld>
+    <p:spTree>
+      <p:nvGrpSpPr>
+        <p:cNvPr id="1" name=""/>
+        <p:cNvGrpSpPr/>
+        <p:nvPr/>
+      </p:nvGrpSpPr>
+      <p:grpSpPr>
+        <a:xfrm>
+          <a:off x="0" y="0"/>
+          <a:ext cx="0" cy="0"/>
+          <a:chOff x="0" y="0"/>
+          <a:chExt cx="0" cy="0"/>
+        </a:xfrm>
+      </p:grpSpPr>
+      <p:sp>
+        <p:nvSpPr>
+          <p:cNvPr id="2" name="Slide Image Placeholder 1"/>
+          <p:cNvSpPr>
+            <a:spLocks noGrp="1" noRot="1" noChangeAspect="1"/>
+          </p:cNvSpPr>
+          <p:nvPr>
+            <p:ph type="sldImg"/>
+          </p:nvPr>
+        </p:nvSpPr>
+        <p:spPr/>
+      </p:sp>
+      <p:sp>
+        <p:nvSpPr>
+          <p:cNvPr id="3" name="Notes Placeholder 2"/>
+          <p:cNvSpPr>
+            <a:spLocks noGrp="1"/>
+          </p:cNvSpPr>
+          <p:nvPr>
+            <p:ph type="body" idx="1"/>
+          </p:nvPr>
+        </p:nvSpPr>
+        <p:spPr/>
+        <p:txBody>
+          <a:bodyPr/>
+          <a:lstStyle/>
+          <a:p>
+            <a:endParaRPr lang="en-US"/>
+          </a:p>
+        </p:txBody>
+      </p:sp>
+      <p:sp>
+        <p:nvSpPr>
+          <p:cNvPr id="4" name="Slide Number Placeholder 3"/>
+          <p:cNvSpPr>
+            <a:spLocks noGrp="1"/>
+          </p:cNvSpPr>
+          <p:nvPr>
+            <p:ph type="sldNum" sz="quarter" idx="10"/>
+          </p:nvPr>
+        </p:nvSpPr>
+        <p:spPr/>
+        <p:txBody>
+          <a:bodyPr/>
+          <a:lstStyle/>
+          <a:p>
+            <a:fld id="{103BE25F-A7DE-45AC-A340-5D390290421E}" type="slidenum">
+              <a:rPr lang="en-US"/>
+              <a:t>7</a:t>
+            </a:fld>
+            <a:endParaRPr lang="en-US"/>
+          </a:p>
+        </p:txBody>
+      </p:sp>
+    </p:spTree>
+    <p:extLst>
+      <p:ext uri="{BB962C8B-B14F-4D97-AF65-F5344CB8AC3E}">
+        <p14:creationId xmlns:p14="http://schemas.microsoft.com/office/powerpoint/2010/main" val="9543522"/>
+      </p:ext>
+    </p:extLst>
+  </p:cSld>
+  <p:clrMapOvr>
+    <a:masterClrMapping/>
+  </p:clrMapOvr>
+</p:notes>
+</file>
+
+<file path=ppt/notesSlides/notesSlide7.xml><?xml version="1.0" encoding="utf-8"?>
+<p:notes xmlns:a="http://schemas.openxmlformats.org/drawingml/2006/main" xmlns:r="http://schemas.openxmlformats.org/officeDocument/2006/relationships" xmlns:p="http://schemas.openxmlformats.org/presentationml/2006/main">
+  <p:cSld>
+    <p:spTree>
+      <p:nvGrpSpPr>
+        <p:cNvPr id="1" name=""/>
+        <p:cNvGrpSpPr/>
+        <p:nvPr/>
+      </p:nvGrpSpPr>
+      <p:grpSpPr>
+        <a:xfrm>
+          <a:off x="0" y="0"/>
+          <a:ext cx="0" cy="0"/>
+          <a:chOff x="0" y="0"/>
+          <a:chExt cx="0" cy="0"/>
+        </a:xfrm>
+      </p:grpSpPr>
+      <p:sp>
+        <p:nvSpPr>
+          <p:cNvPr id="2" name="Slide Image Placeholder 1"/>
+          <p:cNvSpPr>
+            <a:spLocks noGrp="1" noRot="1" noChangeAspect="1"/>
+          </p:cNvSpPr>
+          <p:nvPr>
+            <p:ph type="sldImg"/>
+          </p:nvPr>
+        </p:nvSpPr>
+        <p:spPr/>
+      </p:sp>
+      <p:sp>
+        <p:nvSpPr>
+          <p:cNvPr id="3" name="Notes Placeholder 2"/>
+          <p:cNvSpPr>
+            <a:spLocks noGrp="1"/>
+          </p:cNvSpPr>
+          <p:nvPr>
+            <p:ph type="body" idx="1"/>
+          </p:nvPr>
+        </p:nvSpPr>
+        <p:spPr/>
+        <p:txBody>
+          <a:bodyPr/>
+          <a:lstStyle/>
+          <a:p>
+            <a:endParaRPr lang="en-US"/>
+          </a:p>
+        </p:txBody>
+      </p:sp>
+      <p:sp>
+        <p:nvSpPr>
+          <p:cNvPr id="4" name="Slide Number Placeholder 3"/>
+          <p:cNvSpPr>
+            <a:spLocks noGrp="1"/>
+          </p:cNvSpPr>
+          <p:nvPr>
+            <p:ph type="sldNum" sz="quarter" idx="10"/>
+          </p:nvPr>
+        </p:nvSpPr>
+        <p:spPr/>
+        <p:txBody>
+          <a:bodyPr/>
+          <a:lstStyle/>
+          <a:p>
+            <a:fld id="{103BE25F-A7DE-45AC-A340-5D390290421E}" type="slidenum">
+              <a:rPr lang="en-US"/>
+              <a:t>8</a:t>
+            </a:fld>
+            <a:endParaRPr lang="en-US"/>
+          </a:p>
+        </p:txBody>
+      </p:sp>
+    </p:spTree>
+    <p:extLst>
+      <p:ext uri="{BB962C8B-B14F-4D97-AF65-F5344CB8AC3E}">
+        <p14:creationId xmlns:p14="http://schemas.microsoft.com/office/powerpoint/2010/main" val="814982325"/>
+      </p:ext>
+    </p:extLst>
+  </p:cSld>
+  <p:clrMapOvr>
+    <a:masterClrMapping/>
+  </p:clrMapOvr>
+</p:notes>
+</file>
+
+<file path=ppt/notesSlides/notesSlide8.xml><?xml version="1.0" encoding="utf-8"?>
+<p:notes xmlns:a="http://schemas.openxmlformats.org/drawingml/2006/main" xmlns:r="http://schemas.openxmlformats.org/officeDocument/2006/relationships" xmlns:p="http://schemas.openxmlformats.org/presentationml/2006/main">
+  <p:cSld>
+    <p:spTree>
+      <p:nvGrpSpPr>
+        <p:cNvPr id="1" name=""/>
+        <p:cNvGrpSpPr/>
+        <p:nvPr/>
+      </p:nvGrpSpPr>
+      <p:grpSpPr>
+        <a:xfrm>
+          <a:off x="0" y="0"/>
+          <a:ext cx="0" cy="0"/>
+          <a:chOff x="0" y="0"/>
+          <a:chExt cx="0" cy="0"/>
+        </a:xfrm>
+      </p:grpSpPr>
+      <p:sp>
+        <p:nvSpPr>
+          <p:cNvPr id="2" name="Slide Image Placeholder 1"/>
+          <p:cNvSpPr>
+            <a:spLocks noGrp="1" noRot="1" noChangeAspect="1"/>
+          </p:cNvSpPr>
+          <p:nvPr>
+            <p:ph type="sldImg"/>
+          </p:nvPr>
+        </p:nvSpPr>
+        <p:spPr/>
+      </p:sp>
+      <p:sp>
+        <p:nvSpPr>
+          <p:cNvPr id="3" name="Notes Placeholder 2"/>
+          <p:cNvSpPr>
+            <a:spLocks noGrp="1"/>
+          </p:cNvSpPr>
+          <p:nvPr>
+            <p:ph type="body" idx="1"/>
+          </p:nvPr>
+        </p:nvSpPr>
+        <p:spPr/>
+        <p:txBody>
+          <a:bodyPr/>
+          <a:lstStyle/>
+          <a:p>
+            <a:endParaRPr lang="en-US"/>
+          </a:p>
+        </p:txBody>
+      </p:sp>
+      <p:sp>
+        <p:nvSpPr>
+          <p:cNvPr id="4" name="Slide Number Placeholder 3"/>
+          <p:cNvSpPr>
+            <a:spLocks noGrp="1"/>
+          </p:cNvSpPr>
+          <p:nvPr>
+            <p:ph type="sldNum" sz="quarter" idx="10"/>
+          </p:nvPr>
+        </p:nvSpPr>
+        <p:spPr/>
+        <p:txBody>
+          <a:bodyPr/>
+          <a:lstStyle/>
+          <a:p>
+            <a:fld id="{103BE25F-A7DE-45AC-A340-5D390290421E}" type="slidenum">
+              <a:rPr lang="en-US"/>
+              <a:t>9</a:t>
+            </a:fld>
+            <a:endParaRPr lang="en-US"/>
+          </a:p>
+        </p:txBody>
+      </p:sp>
+    </p:spTree>
+    <p:extLst>
+      <p:ext uri="{BB962C8B-B14F-4D97-AF65-F5344CB8AC3E}">
+        <p14:creationId xmlns:p14="http://schemas.microsoft.com/office/powerpoint/2010/main" val="4222516286"/>
+      </p:ext>
+    </p:extLst>
+  </p:cSld>
+  <p:clrMapOvr>
+    <a:masterClrMapping/>
+  </p:clrMapOvr>
+</p:notes>
+</file>
+
+<file path=ppt/notesSlides/notesSlide9.xml><?xml version="1.0" encoding="utf-8"?>
+<p:notes xmlns:a="http://schemas.openxmlformats.org/drawingml/2006/main" xmlns:r="http://schemas.openxmlformats.org/officeDocument/2006/relationships" xmlns:p="http://schemas.openxmlformats.org/presentationml/2006/main">
+  <p:cSld>
+    <p:spTree>
+      <p:nvGrpSpPr>
+        <p:cNvPr id="1" name=""/>
+        <p:cNvGrpSpPr/>
+        <p:nvPr/>
+      </p:nvGrpSpPr>
+      <p:grpSpPr>
+        <a:xfrm>
+          <a:off x="0" y="0"/>
+          <a:ext cx="0" cy="0"/>
+          <a:chOff x="0" y="0"/>
+          <a:chExt cx="0" cy="0"/>
+        </a:xfrm>
+      </p:grpSpPr>
+      <p:sp>
+        <p:nvSpPr>
+          <p:cNvPr id="2" name="Slide Image Placeholder 1"/>
+          <p:cNvSpPr>
+            <a:spLocks noGrp="1" noRot="1" noChangeAspect="1"/>
+          </p:cNvSpPr>
+          <p:nvPr>
+            <p:ph type="sldImg"/>
+          </p:nvPr>
+        </p:nvSpPr>
+        <p:spPr/>
+      </p:sp>
+      <p:sp>
+        <p:nvSpPr>
+          <p:cNvPr id="3" name="Notes Placeholder 2"/>
+          <p:cNvSpPr>
+            <a:spLocks noGrp="1"/>
+          </p:cNvSpPr>
+          <p:nvPr>
+            <p:ph type="body" idx="1"/>
+          </p:nvPr>
+        </p:nvSpPr>
+        <p:spPr/>
+        <p:txBody>
+          <a:bodyPr/>
+          <a:lstStyle/>
+          <a:p>
+            <a:endParaRPr lang="en-US"/>
+          </a:p>
+        </p:txBody>
+      </p:sp>
+      <p:sp>
+        <p:nvSpPr>
+          <p:cNvPr id="4" name="Slide Number Placeholder 3"/>
+          <p:cNvSpPr>
+            <a:spLocks noGrp="1"/>
+          </p:cNvSpPr>
+          <p:nvPr>
+            <p:ph type="sldNum" sz="quarter" idx="10"/>
+          </p:nvPr>
+        </p:nvSpPr>
+        <p:spPr/>
+        <p:txBody>
+          <a:bodyPr/>
+          <a:lstStyle/>
+          <a:p>
+            <a:fld id="{103BE25F-A7DE-45AC-A340-5D390290421E}" type="slidenum">
+              <a:rPr lang="en-US"/>
+              <a:t>10</a:t>
+            </a:fld>
+            <a:endParaRPr lang="en-US"/>
+          </a:p>
+        </p:txBody>
+      </p:sp>
+    </p:spTree>
+    <p:extLst>
+      <p:ext uri="{BB962C8B-B14F-4D97-AF65-F5344CB8AC3E}">
+        <p14:creationId xmlns:p14="http://schemas.microsoft.com/office/powerpoint/2010/main" val="3759181980"/>
       </p:ext>
     </p:extLst>
   </p:cSld>
@@ -974,7 +1824,7 @@
             <a:fld id="{87DE6118-2437-4B30-8E3C-4D2BE6020583}" type="datetimeFigureOut">
               <a:rPr lang="en-US" dirty="0"/>
               <a:pPr/>
-              <a:t>7/10/2017</a:t>
+              <a:t>7/12/2017</a:t>
             </a:fld>
             <a:endParaRPr lang="en-US" dirty="0"/>
           </a:p>
@@ -1300,7 +2150,7 @@
           <a:p>
             <a:fld id="{87DE6118-2437-4B30-8E3C-4D2BE6020583}" type="datetimeFigureOut">
               <a:rPr lang="en-US" dirty="0"/>
-              <a:t>7/10/2017</a:t>
+              <a:t>7/12/2017</a:t>
             </a:fld>
             <a:endParaRPr lang="en-US" dirty="0"/>
           </a:p>
@@ -1475,7 +2325,7 @@
           <a:p>
             <a:fld id="{87DE6118-2437-4B30-8E3C-4D2BE6020583}" type="datetimeFigureOut">
               <a:rPr lang="en-US" dirty="0"/>
-              <a:t>7/10/2017</a:t>
+              <a:t>7/12/2017</a:t>
             </a:fld>
             <a:endParaRPr lang="en-US" dirty="0"/>
           </a:p>
@@ -1640,7 +2490,7 @@
           <a:p>
             <a:fld id="{87DE6118-2437-4B30-8E3C-4D2BE6020583}" type="datetimeFigureOut">
               <a:rPr lang="en-US" dirty="0"/>
-              <a:t>7/10/2017</a:t>
+              <a:t>7/12/2017</a:t>
             </a:fld>
             <a:endParaRPr lang="en-US" dirty="0"/>
           </a:p>
@@ -1913,7 +2763,7 @@
             <a:fld id="{87DE6118-2437-4B30-8E3C-4D2BE6020583}" type="datetimeFigureOut">
               <a:rPr lang="en-US" dirty="0"/>
               <a:pPr/>
-              <a:t>7/10/2017</a:t>
+              <a:t>7/12/2017</a:t>
             </a:fld>
             <a:endParaRPr lang="en-US" dirty="0"/>
           </a:p>
@@ -2303,7 +3153,7 @@
           <a:p>
             <a:fld id="{87DE6118-2437-4B30-8E3C-4D2BE6020583}" type="datetimeFigureOut">
               <a:rPr lang="en-US" dirty="0"/>
-              <a:t>7/10/2017</a:t>
+              <a:t>7/12/2017</a:t>
             </a:fld>
             <a:endParaRPr lang="en-US" dirty="0"/>
           </a:p>
@@ -2775,7 +3625,7 @@
           <a:p>
             <a:fld id="{87DE6118-2437-4B30-8E3C-4D2BE6020583}" type="datetimeFigureOut">
               <a:rPr lang="en-US" dirty="0"/>
-              <a:t>7/10/2017</a:t>
+              <a:t>7/12/2017</a:t>
             </a:fld>
             <a:endParaRPr lang="en-US" dirty="0"/>
           </a:p>
@@ -2888,7 +3738,7 @@
           <a:p>
             <a:fld id="{87DE6118-2437-4B30-8E3C-4D2BE6020583}" type="datetimeFigureOut">
               <a:rPr lang="en-US" dirty="0"/>
-              <a:t>7/10/2017</a:t>
+              <a:t>7/12/2017</a:t>
             </a:fld>
             <a:endParaRPr lang="en-US" dirty="0"/>
           </a:p>
@@ -2978,7 +3828,7 @@
           <a:p>
             <a:fld id="{87DE6118-2437-4B30-8E3C-4D2BE6020583}" type="datetimeFigureOut">
               <a:rPr lang="en-US" dirty="0"/>
-              <a:t>7/10/2017</a:t>
+              <a:t>7/12/2017</a:t>
             </a:fld>
             <a:endParaRPr lang="en-US" dirty="0"/>
           </a:p>
@@ -3320,7 +4170,7 @@
             <a:fld id="{87DE6118-2437-4B30-8E3C-4D2BE6020583}" type="datetimeFigureOut">
               <a:rPr lang="en-US" dirty="0"/>
               <a:pPr/>
-              <a:t>7/10/2017</a:t>
+              <a:t>7/12/2017</a:t>
             </a:fld>
             <a:endParaRPr lang="en-US" dirty="0"/>
           </a:p>
@@ -3705,7 +4555,7 @@
             <a:fld id="{87DE6118-2437-4B30-8E3C-4D2BE6020583}" type="datetimeFigureOut">
               <a:rPr lang="en-US" dirty="0"/>
               <a:pPr/>
-              <a:t>7/10/2017</a:t>
+              <a:t>7/12/2017</a:t>
             </a:fld>
             <a:endParaRPr lang="en-US" dirty="0"/>
           </a:p>
@@ -3980,7 +4830,7 @@
             <a:fld id="{87DE6118-2437-4B30-8E3C-4D2BE6020583}" type="datetimeFigureOut">
               <a:rPr lang="en-US" dirty="0"/>
               <a:pPr/>
-              <a:t>7/10/2017</a:t>
+              <a:t>7/12/2017</a:t>
             </a:fld>
             <a:endParaRPr lang="en-US" dirty="0"/>
           </a:p>
@@ -4591,6 +5441,802 @@
 </p:sld>
 </file>
 
+<file path=ppt/slides/slide10.xml><?xml version="1.0" encoding="utf-8"?>
+<p:sld xmlns:a="http://schemas.openxmlformats.org/drawingml/2006/main" xmlns:r="http://schemas.openxmlformats.org/officeDocument/2006/relationships" xmlns:p="http://schemas.openxmlformats.org/presentationml/2006/main">
+  <p:cSld>
+    <p:spTree>
+      <p:nvGrpSpPr>
+        <p:cNvPr id="1" name=""/>
+        <p:cNvGrpSpPr/>
+        <p:nvPr/>
+      </p:nvGrpSpPr>
+      <p:grpSpPr>
+        <a:xfrm>
+          <a:off x="0" y="0"/>
+          <a:ext cx="0" cy="0"/>
+          <a:chOff x="0" y="0"/>
+          <a:chExt cx="0" cy="0"/>
+        </a:xfrm>
+      </p:grpSpPr>
+      <p:sp>
+        <p:nvSpPr>
+          <p:cNvPr id="2" name="Title 1"/>
+          <p:cNvSpPr>
+            <a:spLocks noGrp="1"/>
+          </p:cNvSpPr>
+          <p:nvPr>
+            <p:ph type="title"/>
+            <p:extLst>
+              <p:ext uri="{D42A27DB-BD31-4B8C-83A1-F6EECF244321}">
+                <p14:modId xmlns:p14="http://schemas.microsoft.com/office/powerpoint/2010/main" val="1816823141"/>
+              </p:ext>
+            </p:extLst>
+          </p:nvPr>
+        </p:nvSpPr>
+        <p:spPr/>
+        <p:txBody>
+          <a:bodyPr/>
+          <a:lstStyle/>
+          <a:p>
+            <a:pPr algn="ctr"/>
+            <a:r>
+              <a:rPr lang="en-US" dirty="0">
+                <a:solidFill>
+                  <a:srgbClr val="191B0E"/>
+                </a:solidFill>
+              </a:rPr>
+              <a:t>Multiple cursors (part II)</a:t>
+            </a:r>
+          </a:p>
+        </p:txBody>
+      </p:sp>
+      <p:pic>
+        <p:nvPicPr>
+          <p:cNvPr id="5" name="Picture 5" descr="eek.gif"/>
+          <p:cNvPicPr>
+            <a:picLocks noGrp="1" noChangeAspect="1"/>
+          </p:cNvPicPr>
+          <p:nvPr>
+            <p:ph idx="1"/>
+          </p:nvPr>
+        </p:nvPicPr>
+        <p:blipFill>
+          <a:blip r:embed="rId3"/>
+          <a:stretch>
+            <a:fillRect/>
+          </a:stretch>
+        </p:blipFill>
+        <p:spPr>
+          <a:xfrm>
+            <a:off x="1391848" y="1757654"/>
+            <a:ext cx="6047497" cy="4545702"/>
+          </a:xfrm>
+          <a:prstGeom prst="rect">
+            <a:avLst/>
+          </a:prstGeom>
+        </p:spPr>
+      </p:pic>
+      <p:sp>
+        <p:nvSpPr>
+          <p:cNvPr id="4" name="TextBox 3"/>
+          <p:cNvSpPr txBox="1"/>
+          <p:nvPr>
+            <p:extLst>
+              <p:ext uri="{D42A27DB-BD31-4B8C-83A1-F6EECF244321}">
+                <p14:modId xmlns:p14="http://schemas.microsoft.com/office/powerpoint/2010/main" val="3030840486"/>
+              </p:ext>
+            </p:extLst>
+          </p:nvPr>
+        </p:nvSpPr>
+        <p:spPr>
+          <a:xfrm>
+            <a:off x="7754231" y="1752600"/>
+            <a:ext cx="3666702" cy="1477328"/>
+          </a:xfrm>
+          <a:prstGeom prst="rect">
+            <a:avLst/>
+          </a:prstGeom>
+        </p:spPr>
+        <p:txBody>
+          <a:bodyPr rot="0" spcFirstLastPara="0" vertOverflow="overflow" horzOverflow="overflow" vert="horz" wrap="square" lIns="91440" tIns="45720" rIns="91440" bIns="45720" numCol="1" spcCol="0" rtlCol="0" fromWordArt="0" anchor="t" anchorCtr="0" forceAA="0" compatLnSpc="1">
+            <a:prstTxWarp prst="textNoShape">
+              <a:avLst/>
+            </a:prstTxWarp>
+            <a:spAutoFit/>
+          </a:bodyPr>
+          <a:lstStyle/>
+          <a:p>
+            <a:pPr algn="ctr"/>
+            <a:r>
+              <a:rPr lang="en-US" dirty="0"/>
+              <a:t>Using the '⌥' + with mouse clicks we can have multiple cursors. Each time we left click we get another cursor so long as we are holding the '⌥' key.</a:t>
+            </a:r>
+          </a:p>
+        </p:txBody>
+      </p:sp>
+    </p:spTree>
+    <p:extLst>
+      <p:ext uri="{BB962C8B-B14F-4D97-AF65-F5344CB8AC3E}">
+        <p14:creationId xmlns:p14="http://schemas.microsoft.com/office/powerpoint/2010/main" val="1002703948"/>
+      </p:ext>
+    </p:extLst>
+  </p:cSld>
+  <p:clrMapOvr>
+    <a:masterClrMapping/>
+  </p:clrMapOvr>
+</p:sld>
+</file>
+
+<file path=ppt/slides/slide11.xml><?xml version="1.0" encoding="utf-8"?>
+<p:sld xmlns:a="http://schemas.openxmlformats.org/drawingml/2006/main" xmlns:r="http://schemas.openxmlformats.org/officeDocument/2006/relationships" xmlns:p="http://schemas.openxmlformats.org/presentationml/2006/main">
+  <p:cSld>
+    <p:spTree>
+      <p:nvGrpSpPr>
+        <p:cNvPr id="1" name=""/>
+        <p:cNvGrpSpPr/>
+        <p:nvPr/>
+      </p:nvGrpSpPr>
+      <p:grpSpPr>
+        <a:xfrm>
+          <a:off x="0" y="0"/>
+          <a:ext cx="0" cy="0"/>
+          <a:chOff x="0" y="0"/>
+          <a:chExt cx="0" cy="0"/>
+        </a:xfrm>
+      </p:grpSpPr>
+      <p:sp>
+        <p:nvSpPr>
+          <p:cNvPr id="2" name="Title 1"/>
+          <p:cNvSpPr>
+            <a:spLocks noGrp="1"/>
+          </p:cNvSpPr>
+          <p:nvPr>
+            <p:ph type="title"/>
+            <p:extLst>
+              <p:ext uri="{D42A27DB-BD31-4B8C-83A1-F6EECF244321}">
+                <p14:modId xmlns:p14="http://schemas.microsoft.com/office/powerpoint/2010/main" val="1763548549"/>
+              </p:ext>
+            </p:extLst>
+          </p:nvPr>
+        </p:nvSpPr>
+        <p:spPr/>
+        <p:txBody>
+          <a:bodyPr/>
+          <a:lstStyle/>
+          <a:p>
+            <a:pPr algn="ctr"/>
+            <a:r>
+              <a:rPr lang="en-US" dirty="0"/>
+              <a:t>Extensions</a:t>
+            </a:r>
+            <a:endParaRPr lang="en-US" dirty="0">
+              <a:solidFill>
+                <a:srgbClr val="191B0E"/>
+              </a:solidFill>
+            </a:endParaRPr>
+          </a:p>
+        </p:txBody>
+      </p:sp>
+      <p:pic>
+        <p:nvPicPr>
+          <p:cNvPr id="5" name="Picture 5" descr="Screen Shot 2017-07-12 at 9.07.17 pm.png"/>
+          <p:cNvPicPr>
+            <a:picLocks noGrp="1" noChangeAspect="1"/>
+          </p:cNvPicPr>
+          <p:nvPr>
+            <p:ph idx="1"/>
+          </p:nvPr>
+        </p:nvPicPr>
+        <p:blipFill>
+          <a:blip r:embed="rId3"/>
+          <a:stretch>
+            <a:fillRect/>
+          </a:stretch>
+        </p:blipFill>
+        <p:spPr>
+          <a:xfrm>
+            <a:off x="1171120" y="1590610"/>
+            <a:ext cx="6585424" cy="5101384"/>
+          </a:xfrm>
+          <a:prstGeom prst="rect">
+            <a:avLst/>
+          </a:prstGeom>
+        </p:spPr>
+      </p:pic>
+      <p:sp>
+        <p:nvSpPr>
+          <p:cNvPr id="4" name="TextBox 3"/>
+          <p:cNvSpPr txBox="1"/>
+          <p:nvPr>
+            <p:extLst>
+              <p:ext uri="{D42A27DB-BD31-4B8C-83A1-F6EECF244321}">
+                <p14:modId xmlns:p14="http://schemas.microsoft.com/office/powerpoint/2010/main" val="620509926"/>
+              </p:ext>
+            </p:extLst>
+          </p:nvPr>
+        </p:nvSpPr>
+        <p:spPr>
+          <a:xfrm>
+            <a:off x="7754231" y="1752600"/>
+            <a:ext cx="3666702" cy="2308324"/>
+          </a:xfrm>
+          <a:prstGeom prst="rect">
+            <a:avLst/>
+          </a:prstGeom>
+        </p:spPr>
+        <p:txBody>
+          <a:bodyPr rot="0" spcFirstLastPara="0" vertOverflow="overflow" horzOverflow="overflow" vert="horz" wrap="square" lIns="91440" tIns="45720" rIns="91440" bIns="45720" numCol="1" spcCol="0" rtlCol="0" fromWordArt="0" anchor="t" anchorCtr="0" forceAA="0" compatLnSpc="1">
+            <a:prstTxWarp prst="textNoShape">
+              <a:avLst/>
+            </a:prstTxWarp>
+            <a:spAutoFit/>
+          </a:bodyPr>
+          <a:lstStyle/>
+          <a:p>
+            <a:pPr algn="ctr"/>
+            <a:r>
+              <a:rPr lang="en-US" dirty="0"/>
+              <a:t>Visual Studio Code is open source so anyone can contribute. There are lots of extensions available to help us. We can open the extension sidebar and browse and install any extension we think might help make writing and debugging JavaScript easier.</a:t>
+            </a:r>
+          </a:p>
+        </p:txBody>
+      </p:sp>
+    </p:spTree>
+    <p:extLst>
+      <p:ext uri="{BB962C8B-B14F-4D97-AF65-F5344CB8AC3E}">
+        <p14:creationId xmlns:p14="http://schemas.microsoft.com/office/powerpoint/2010/main" val="2123752208"/>
+      </p:ext>
+    </p:extLst>
+  </p:cSld>
+  <p:clrMapOvr>
+    <a:masterClrMapping/>
+  </p:clrMapOvr>
+</p:sld>
+</file>
+
+<file path=ppt/slides/slide12.xml><?xml version="1.0" encoding="utf-8"?>
+<p:sld xmlns:a="http://schemas.openxmlformats.org/drawingml/2006/main" xmlns:r="http://schemas.openxmlformats.org/officeDocument/2006/relationships" xmlns:p="http://schemas.openxmlformats.org/presentationml/2006/main">
+  <p:cSld>
+    <p:spTree>
+      <p:nvGrpSpPr>
+        <p:cNvPr id="1" name=""/>
+        <p:cNvGrpSpPr/>
+        <p:nvPr/>
+      </p:nvGrpSpPr>
+      <p:grpSpPr>
+        <a:xfrm>
+          <a:off x="0" y="0"/>
+          <a:ext cx="0" cy="0"/>
+          <a:chOff x="0" y="0"/>
+          <a:chExt cx="0" cy="0"/>
+        </a:xfrm>
+      </p:grpSpPr>
+      <p:sp>
+        <p:nvSpPr>
+          <p:cNvPr id="2" name="Title 1"/>
+          <p:cNvSpPr>
+            <a:spLocks noGrp="1"/>
+          </p:cNvSpPr>
+          <p:nvPr>
+            <p:ph type="title"/>
+            <p:extLst>
+              <p:ext uri="{D42A27DB-BD31-4B8C-83A1-F6EECF244321}">
+                <p14:modId xmlns:p14="http://schemas.microsoft.com/office/powerpoint/2010/main" val="56139397"/>
+              </p:ext>
+            </p:extLst>
+          </p:nvPr>
+        </p:nvSpPr>
+        <p:spPr/>
+        <p:txBody>
+          <a:bodyPr/>
+          <a:lstStyle/>
+          <a:p>
+            <a:pPr algn="ctr"/>
+            <a:r>
+              <a:rPr lang="en-US" dirty="0"/>
+              <a:t>Integrated </a:t>
+            </a:r>
+            <a:r>
+              <a:rPr lang="en-US" dirty="0">
+                <a:solidFill>
+                  <a:srgbClr val="191B0E"/>
+                </a:solidFill>
+              </a:rPr>
+              <a:t>Terminal</a:t>
+            </a:r>
+          </a:p>
+        </p:txBody>
+      </p:sp>
+      <p:pic>
+        <p:nvPicPr>
+          <p:cNvPr id="5" name="Picture 5" descr="Screen Shot 2017-07-12 at 9.12.35 pm.png"/>
+          <p:cNvPicPr>
+            <a:picLocks noGrp="1" noChangeAspect="1"/>
+          </p:cNvPicPr>
+          <p:nvPr>
+            <p:ph idx="1"/>
+          </p:nvPr>
+        </p:nvPicPr>
+        <p:blipFill>
+          <a:blip r:embed="rId3"/>
+          <a:stretch>
+            <a:fillRect/>
+          </a:stretch>
+        </p:blipFill>
+        <p:spPr>
+          <a:xfrm>
+            <a:off x="1171121" y="1590610"/>
+            <a:ext cx="6585422" cy="5101384"/>
+          </a:xfrm>
+          <a:prstGeom prst="rect">
+            <a:avLst/>
+          </a:prstGeom>
+        </p:spPr>
+      </p:pic>
+      <p:sp>
+        <p:nvSpPr>
+          <p:cNvPr id="4" name="TextBox 3"/>
+          <p:cNvSpPr txBox="1"/>
+          <p:nvPr>
+            <p:extLst>
+              <p:ext uri="{D42A27DB-BD31-4B8C-83A1-F6EECF244321}">
+                <p14:modId xmlns:p14="http://schemas.microsoft.com/office/powerpoint/2010/main" val="3901324258"/>
+              </p:ext>
+            </p:extLst>
+          </p:nvPr>
+        </p:nvSpPr>
+        <p:spPr>
+          <a:xfrm>
+            <a:off x="7754231" y="1752600"/>
+            <a:ext cx="3666702" cy="1754326"/>
+          </a:xfrm>
+          <a:prstGeom prst="rect">
+            <a:avLst/>
+          </a:prstGeom>
+        </p:spPr>
+        <p:txBody>
+          <a:bodyPr rot="0" spcFirstLastPara="0" vertOverflow="overflow" horzOverflow="overflow" vert="horz" wrap="square" lIns="91440" tIns="45720" rIns="91440" bIns="45720" numCol="1" spcCol="0" rtlCol="0" fromWordArt="0" anchor="t" anchorCtr="0" forceAA="0" compatLnSpc="1">
+            <a:prstTxWarp prst="textNoShape">
+              <a:avLst/>
+            </a:prstTxWarp>
+            <a:spAutoFit/>
+          </a:bodyPr>
+          <a:lstStyle/>
+          <a:p>
+            <a:pPr algn="ctr"/>
+            <a:r>
+              <a:rPr lang="en-US" dirty="0"/>
+              <a:t>Visual Studio Code includes an integrated terminal so we can use bash commands without having to open another window. This allows us to start and shut down our NodeJS server from the code editor.</a:t>
+            </a:r>
+          </a:p>
+        </p:txBody>
+      </p:sp>
+    </p:spTree>
+    <p:extLst>
+      <p:ext uri="{BB962C8B-B14F-4D97-AF65-F5344CB8AC3E}">
+        <p14:creationId xmlns:p14="http://schemas.microsoft.com/office/powerpoint/2010/main" val="2549601016"/>
+      </p:ext>
+    </p:extLst>
+  </p:cSld>
+  <p:clrMapOvr>
+    <a:masterClrMapping/>
+  </p:clrMapOvr>
+</p:sld>
+</file>
+
+<file path=ppt/slides/slide13.xml><?xml version="1.0" encoding="utf-8"?>
+<p:sld xmlns:a="http://schemas.openxmlformats.org/drawingml/2006/main" xmlns:r="http://schemas.openxmlformats.org/officeDocument/2006/relationships" xmlns:p="http://schemas.openxmlformats.org/presentationml/2006/main">
+  <p:cSld>
+    <p:spTree>
+      <p:nvGrpSpPr>
+        <p:cNvPr id="1" name=""/>
+        <p:cNvGrpSpPr/>
+        <p:nvPr/>
+      </p:nvGrpSpPr>
+      <p:grpSpPr>
+        <a:xfrm>
+          <a:off x="0" y="0"/>
+          <a:ext cx="0" cy="0"/>
+          <a:chOff x="0" y="0"/>
+          <a:chExt cx="0" cy="0"/>
+        </a:xfrm>
+      </p:grpSpPr>
+      <p:sp>
+        <p:nvSpPr>
+          <p:cNvPr id="2" name="Title 1"/>
+          <p:cNvSpPr>
+            <a:spLocks noGrp="1"/>
+          </p:cNvSpPr>
+          <p:nvPr>
+            <p:ph type="title"/>
+            <p:extLst>
+              <p:ext uri="{D42A27DB-BD31-4B8C-83A1-F6EECF244321}">
+                <p14:modId xmlns:p14="http://schemas.microsoft.com/office/powerpoint/2010/main" val="3416676421"/>
+              </p:ext>
+            </p:extLst>
+          </p:nvPr>
+        </p:nvSpPr>
+        <p:spPr/>
+        <p:txBody>
+          <a:bodyPr/>
+          <a:lstStyle/>
+          <a:p>
+            <a:pPr algn="ctr"/>
+            <a:r>
+              <a:rPr lang="en-US" dirty="0">
+                <a:solidFill>
+                  <a:srgbClr val="191B0E"/>
+                </a:solidFill>
+              </a:rPr>
+              <a:t>Emmet for HTML</a:t>
+            </a:r>
+          </a:p>
+        </p:txBody>
+      </p:sp>
+      <p:pic>
+        <p:nvPicPr>
+          <p:cNvPr id="5" name="Picture 5" descr="emmet.gif"/>
+          <p:cNvPicPr>
+            <a:picLocks noGrp="1" noChangeAspect="1"/>
+          </p:cNvPicPr>
+          <p:nvPr>
+            <p:ph idx="1"/>
+          </p:nvPr>
+        </p:nvPicPr>
+        <p:blipFill>
+          <a:blip r:embed="rId3"/>
+          <a:stretch>
+            <a:fillRect/>
+          </a:stretch>
+        </p:blipFill>
+        <p:spPr>
+          <a:xfrm>
+            <a:off x="1398538" y="1757654"/>
+            <a:ext cx="6034117" cy="4545702"/>
+          </a:xfrm>
+          <a:prstGeom prst="rect">
+            <a:avLst/>
+          </a:prstGeom>
+        </p:spPr>
+      </p:pic>
+      <p:sp>
+        <p:nvSpPr>
+          <p:cNvPr id="4" name="TextBox 3"/>
+          <p:cNvSpPr txBox="1"/>
+          <p:nvPr>
+            <p:extLst>
+              <p:ext uri="{D42A27DB-BD31-4B8C-83A1-F6EECF244321}">
+                <p14:modId xmlns:p14="http://schemas.microsoft.com/office/powerpoint/2010/main" val="937248068"/>
+              </p:ext>
+            </p:extLst>
+          </p:nvPr>
+        </p:nvSpPr>
+        <p:spPr>
+          <a:xfrm>
+            <a:off x="7754231" y="1752600"/>
+            <a:ext cx="3666702" cy="2862322"/>
+          </a:xfrm>
+          <a:prstGeom prst="rect">
+            <a:avLst/>
+          </a:prstGeom>
+        </p:spPr>
+        <p:txBody>
+          <a:bodyPr rot="0" spcFirstLastPara="0" vertOverflow="overflow" horzOverflow="overflow" vert="horz" wrap="square" lIns="91440" tIns="45720" rIns="91440" bIns="45720" numCol="1" spcCol="0" rtlCol="0" fromWordArt="0" anchor="t" anchorCtr="0" forceAA="0" compatLnSpc="1">
+            <a:prstTxWarp prst="textNoShape">
+              <a:avLst/>
+            </a:prstTxWarp>
+            <a:spAutoFit/>
+          </a:bodyPr>
+          <a:lstStyle/>
+          <a:p>
+            <a:pPr algn="ctr"/>
+            <a:r>
+              <a:rPr lang="en-US" dirty="0"/>
+              <a:t>Visual Studio Code includes </a:t>
+            </a:r>
+            <a:r>
+              <a:rPr lang="en-US" dirty="0" err="1"/>
+              <a:t>emmet</a:t>
+            </a:r>
+            <a:r>
+              <a:rPr lang="en-US" dirty="0"/>
+              <a:t>. By using shortcuts outline in the </a:t>
+            </a:r>
+            <a:r>
+              <a:rPr lang="en-US" dirty="0" err="1"/>
+              <a:t>emmet</a:t>
+            </a:r>
+            <a:r>
+              <a:rPr lang="en-US" dirty="0"/>
+              <a:t> documentation (</a:t>
+            </a:r>
+            <a:r>
+              <a:rPr lang="en-US" dirty="0">
+                <a:hlinkClick r:id="rId4"/>
+              </a:rPr>
+              <a:t>https://docs.emmet.io/cheat-sheet/</a:t>
+            </a:r>
+            <a:r>
+              <a:rPr lang="en-US" dirty="0"/>
+              <a:t>) we can write HTML documents much faster. In the animation to the left by typing '!' And pressing tab </a:t>
+            </a:r>
+            <a:r>
+              <a:rPr lang="en-US" dirty="0" err="1"/>
+              <a:t>emmet</a:t>
+            </a:r>
+            <a:r>
+              <a:rPr lang="en-US" dirty="0"/>
+              <a:t> gives us the basic structure of a HTML5 document.</a:t>
+            </a:r>
+          </a:p>
+        </p:txBody>
+      </p:sp>
+    </p:spTree>
+    <p:extLst>
+      <p:ext uri="{BB962C8B-B14F-4D97-AF65-F5344CB8AC3E}">
+        <p14:creationId xmlns:p14="http://schemas.microsoft.com/office/powerpoint/2010/main" val="3747799284"/>
+      </p:ext>
+    </p:extLst>
+  </p:cSld>
+  <p:clrMapOvr>
+    <a:masterClrMapping/>
+  </p:clrMapOvr>
+</p:sld>
+</file>
+
+<file path=ppt/slides/slide14.xml><?xml version="1.0" encoding="utf-8"?>
+<p:sld xmlns:a="http://schemas.openxmlformats.org/drawingml/2006/main" xmlns:r="http://schemas.openxmlformats.org/officeDocument/2006/relationships" xmlns:p="http://schemas.openxmlformats.org/presentationml/2006/main">
+  <p:cSld>
+    <p:spTree>
+      <p:nvGrpSpPr>
+        <p:cNvPr id="1" name=""/>
+        <p:cNvGrpSpPr/>
+        <p:nvPr/>
+      </p:nvGrpSpPr>
+      <p:grpSpPr>
+        <a:xfrm>
+          <a:off x="0" y="0"/>
+          <a:ext cx="0" cy="0"/>
+          <a:chOff x="0" y="0"/>
+          <a:chExt cx="0" cy="0"/>
+        </a:xfrm>
+      </p:grpSpPr>
+      <p:sp>
+        <p:nvSpPr>
+          <p:cNvPr id="2" name="Title 1"/>
+          <p:cNvSpPr>
+            <a:spLocks noGrp="1"/>
+          </p:cNvSpPr>
+          <p:nvPr>
+            <p:ph type="title"/>
+            <p:extLst>
+              <p:ext uri="{D42A27DB-BD31-4B8C-83A1-F6EECF244321}">
+                <p14:modId xmlns:p14="http://schemas.microsoft.com/office/powerpoint/2010/main" val="442925320"/>
+              </p:ext>
+            </p:extLst>
+          </p:nvPr>
+        </p:nvSpPr>
+        <p:spPr/>
+        <p:txBody>
+          <a:bodyPr/>
+          <a:lstStyle/>
+          <a:p>
+            <a:pPr algn="ctr"/>
+            <a:r>
+              <a:rPr lang="en-US" dirty="0">
+                <a:solidFill>
+                  <a:srgbClr val="191B0E"/>
+                </a:solidFill>
+              </a:rPr>
+              <a:t>Markdown preview</a:t>
+            </a:r>
+          </a:p>
+        </p:txBody>
+      </p:sp>
+      <p:pic>
+        <p:nvPicPr>
+          <p:cNvPr id="5" name="Picture 5" descr="mdown.gif"/>
+          <p:cNvPicPr>
+            <a:picLocks noGrp="1" noChangeAspect="1"/>
+          </p:cNvPicPr>
+          <p:nvPr>
+            <p:ph idx="1"/>
+          </p:nvPr>
+        </p:nvPicPr>
+        <p:blipFill>
+          <a:blip r:embed="rId3"/>
+          <a:stretch>
+            <a:fillRect/>
+          </a:stretch>
+        </p:blipFill>
+        <p:spPr>
+          <a:xfrm>
+            <a:off x="1391848" y="1767733"/>
+            <a:ext cx="6047497" cy="4525543"/>
+          </a:xfrm>
+          <a:prstGeom prst="rect">
+            <a:avLst/>
+          </a:prstGeom>
+        </p:spPr>
+      </p:pic>
+      <p:sp>
+        <p:nvSpPr>
+          <p:cNvPr id="4" name="TextBox 3"/>
+          <p:cNvSpPr txBox="1"/>
+          <p:nvPr>
+            <p:extLst>
+              <p:ext uri="{D42A27DB-BD31-4B8C-83A1-F6EECF244321}">
+                <p14:modId xmlns:p14="http://schemas.microsoft.com/office/powerpoint/2010/main" val="162810800"/>
+              </p:ext>
+            </p:extLst>
+          </p:nvPr>
+        </p:nvSpPr>
+        <p:spPr>
+          <a:xfrm>
+            <a:off x="7754231" y="1752600"/>
+            <a:ext cx="3666702" cy="2308324"/>
+          </a:xfrm>
+          <a:prstGeom prst="rect">
+            <a:avLst/>
+          </a:prstGeom>
+        </p:spPr>
+        <p:txBody>
+          <a:bodyPr rot="0" spcFirstLastPara="0" vertOverflow="overflow" horzOverflow="overflow" vert="horz" wrap="square" lIns="91440" tIns="45720" rIns="91440" bIns="45720" numCol="1" spcCol="0" rtlCol="0" fromWordArt="0" anchor="t" anchorCtr="0" forceAA="0" compatLnSpc="1">
+            <a:prstTxWarp prst="textNoShape">
+              <a:avLst/>
+            </a:prstTxWarp>
+            <a:spAutoFit/>
+          </a:bodyPr>
+          <a:lstStyle/>
+          <a:p>
+            <a:pPr algn="ctr"/>
+            <a:r>
+              <a:rPr lang="en-US" dirty="0"/>
+              <a:t>Using '⌘' + Shift + V on a markdown file creates a new window with a preview of the file rendered as it would appear on GitHub. This allows us to check the appearance of our readme files for our repositories before we push to GitHub.</a:t>
+            </a:r>
+          </a:p>
+        </p:txBody>
+      </p:sp>
+    </p:spTree>
+    <p:extLst>
+      <p:ext uri="{BB962C8B-B14F-4D97-AF65-F5344CB8AC3E}">
+        <p14:creationId xmlns:p14="http://schemas.microsoft.com/office/powerpoint/2010/main" val="2473673159"/>
+      </p:ext>
+    </p:extLst>
+  </p:cSld>
+  <p:clrMapOvr>
+    <a:masterClrMapping/>
+  </p:clrMapOvr>
+</p:sld>
+</file>
+
+<file path=ppt/slides/slide15.xml><?xml version="1.0" encoding="utf-8"?>
+<p:sld xmlns:a="http://schemas.openxmlformats.org/drawingml/2006/main" xmlns:r="http://schemas.openxmlformats.org/officeDocument/2006/relationships" xmlns:p="http://schemas.openxmlformats.org/presentationml/2006/main">
+  <p:cSld>
+    <p:spTree>
+      <p:nvGrpSpPr>
+        <p:cNvPr id="1" name=""/>
+        <p:cNvGrpSpPr/>
+        <p:nvPr/>
+      </p:nvGrpSpPr>
+      <p:grpSpPr>
+        <a:xfrm>
+          <a:off x="0" y="0"/>
+          <a:ext cx="0" cy="0"/>
+          <a:chOff x="0" y="0"/>
+          <a:chExt cx="0" cy="0"/>
+        </a:xfrm>
+      </p:grpSpPr>
+      <p:sp>
+        <p:nvSpPr>
+          <p:cNvPr id="2" name="Title 1"/>
+          <p:cNvSpPr>
+            <a:spLocks noGrp="1"/>
+          </p:cNvSpPr>
+          <p:nvPr>
+            <p:ph type="title"/>
+            <p:extLst>
+              <p:ext uri="{D42A27DB-BD31-4B8C-83A1-F6EECF244321}">
+                <p14:modId xmlns:p14="http://schemas.microsoft.com/office/powerpoint/2010/main" val="3871276898"/>
+              </p:ext>
+            </p:extLst>
+          </p:nvPr>
+        </p:nvSpPr>
+        <p:spPr/>
+        <p:txBody>
+          <a:bodyPr/>
+          <a:lstStyle/>
+          <a:p>
+            <a:pPr algn="ctr"/>
+            <a:r>
+              <a:rPr lang="en-US" dirty="0"/>
+              <a:t>Summary</a:t>
+            </a:r>
+            <a:endParaRPr lang="en-US" dirty="0">
+              <a:solidFill>
+                <a:srgbClr val="191B0E"/>
+              </a:solidFill>
+            </a:endParaRPr>
+          </a:p>
+        </p:txBody>
+      </p:sp>
+      <p:pic>
+        <p:nvPicPr>
+          <p:cNvPr id="5" name="Picture 5" descr="Screen Shot 2017-07-12 at 9.27.56 pm.png"/>
+          <p:cNvPicPr>
+            <a:picLocks noGrp="1" noChangeAspect="1"/>
+          </p:cNvPicPr>
+          <p:nvPr>
+            <p:ph idx="1"/>
+          </p:nvPr>
+        </p:nvPicPr>
+        <p:blipFill>
+          <a:blip r:embed="rId3"/>
+          <a:stretch>
+            <a:fillRect/>
+          </a:stretch>
+        </p:blipFill>
+        <p:spPr>
+          <a:xfrm>
+            <a:off x="1171121" y="1609362"/>
+            <a:ext cx="6585422" cy="5063880"/>
+          </a:xfrm>
+          <a:prstGeom prst="rect">
+            <a:avLst/>
+          </a:prstGeom>
+        </p:spPr>
+      </p:pic>
+      <p:sp>
+        <p:nvSpPr>
+          <p:cNvPr id="4" name="TextBox 3"/>
+          <p:cNvSpPr txBox="1"/>
+          <p:nvPr>
+            <p:extLst>
+              <p:ext uri="{D42A27DB-BD31-4B8C-83A1-F6EECF244321}">
+                <p14:modId xmlns:p14="http://schemas.microsoft.com/office/powerpoint/2010/main" val="3570198494"/>
+              </p:ext>
+            </p:extLst>
+          </p:nvPr>
+        </p:nvSpPr>
+        <p:spPr>
+          <a:xfrm>
+            <a:off x="7754231" y="1752600"/>
+            <a:ext cx="3666702" cy="2031325"/>
+          </a:xfrm>
+          <a:prstGeom prst="rect">
+            <a:avLst/>
+          </a:prstGeom>
+        </p:spPr>
+        <p:txBody>
+          <a:bodyPr rot="0" spcFirstLastPara="0" vertOverflow="overflow" horzOverflow="overflow" vert="horz" wrap="square" lIns="91440" tIns="45720" rIns="91440" bIns="45720" numCol="1" spcCol="0" rtlCol="0" fromWordArt="0" anchor="t" anchorCtr="0" forceAA="0" compatLnSpc="1">
+            <a:prstTxWarp prst="textNoShape">
+              <a:avLst/>
+            </a:prstTxWarp>
+            <a:spAutoFit/>
+          </a:bodyPr>
+          <a:lstStyle/>
+          <a:p>
+            <a:pPr algn="ctr"/>
+            <a:r>
+              <a:rPr lang="en-US" dirty="0"/>
+              <a:t>This is a brief summary of Visual Studio Code. There is a link on the welcome page to a keyboard shortcuts cheat sheet. There are lots of videos on YouTube and the official site also has lots of information available.</a:t>
+            </a:r>
+          </a:p>
+        </p:txBody>
+      </p:sp>
+    </p:spTree>
+    <p:extLst>
+      <p:ext uri="{BB962C8B-B14F-4D97-AF65-F5344CB8AC3E}">
+        <p14:creationId xmlns:p14="http://schemas.microsoft.com/office/powerpoint/2010/main" val="282850681"/>
+      </p:ext>
+    </p:extLst>
+  </p:cSld>
+  <p:clrMapOvr>
+    <a:masterClrMapping/>
+  </p:clrMapOvr>
+</p:sld>
+</file>
+
 <file path=ppt/slides/slide2.xml><?xml version="1.0" encoding="utf-8"?>
 <p:sld xmlns:a="http://schemas.openxmlformats.org/drawingml/2006/main" xmlns:r="http://schemas.openxmlformats.org/officeDocument/2006/relationships" xmlns:p="http://schemas.openxmlformats.org/presentationml/2006/main">
   <p:cSld>
@@ -5300,6 +6946,522 @@
     <p:extLst>
       <p:ext uri="{BB962C8B-B14F-4D97-AF65-F5344CB8AC3E}">
         <p14:creationId xmlns:p14="http://schemas.microsoft.com/office/powerpoint/2010/main" val="938352120"/>
+      </p:ext>
+    </p:extLst>
+  </p:cSld>
+  <p:clrMapOvr>
+    <a:masterClrMapping/>
+  </p:clrMapOvr>
+</p:sld>
+</file>
+
+<file path=ppt/slides/slide6.xml><?xml version="1.0" encoding="utf-8"?>
+<p:sld xmlns:a="http://schemas.openxmlformats.org/drawingml/2006/main" xmlns:r="http://schemas.openxmlformats.org/officeDocument/2006/relationships" xmlns:p="http://schemas.openxmlformats.org/presentationml/2006/main">
+  <p:cSld>
+    <p:spTree>
+      <p:nvGrpSpPr>
+        <p:cNvPr id="1" name=""/>
+        <p:cNvGrpSpPr/>
+        <p:nvPr/>
+      </p:nvGrpSpPr>
+      <p:grpSpPr>
+        <a:xfrm>
+          <a:off x="0" y="0"/>
+          <a:ext cx="0" cy="0"/>
+          <a:chOff x="0" y="0"/>
+          <a:chExt cx="0" cy="0"/>
+        </a:xfrm>
+      </p:grpSpPr>
+      <p:sp>
+        <p:nvSpPr>
+          <p:cNvPr id="2" name="Title 1"/>
+          <p:cNvSpPr>
+            <a:spLocks noGrp="1"/>
+          </p:cNvSpPr>
+          <p:nvPr>
+            <p:ph type="title"/>
+            <p:extLst>
+              <p:ext uri="{D42A27DB-BD31-4B8C-83A1-F6EECF244321}">
+                <p14:modId xmlns:p14="http://schemas.microsoft.com/office/powerpoint/2010/main" val="1628837290"/>
+              </p:ext>
+            </p:extLst>
+          </p:nvPr>
+        </p:nvSpPr>
+        <p:spPr/>
+        <p:txBody>
+          <a:bodyPr/>
+          <a:lstStyle/>
+          <a:p>
+            <a:pPr algn="ctr"/>
+            <a:r>
+              <a:rPr lang="en-US" dirty="0"/>
+              <a:t>Comment multiple</a:t>
+            </a:r>
+            <a:r>
+              <a:rPr lang="en-US" dirty="0">
+                <a:solidFill>
+                  <a:srgbClr val="191B0E"/>
+                </a:solidFill>
+              </a:rPr>
+              <a:t> lines</a:t>
+            </a:r>
+          </a:p>
+        </p:txBody>
+      </p:sp>
+      <p:pic>
+        <p:nvPicPr>
+          <p:cNvPr id="5" name="Picture 5" descr="comments.gif"/>
+          <p:cNvPicPr>
+            <a:picLocks noGrp="1" noChangeAspect="1"/>
+          </p:cNvPicPr>
+          <p:nvPr>
+            <p:ph idx="1"/>
+          </p:nvPr>
+        </p:nvPicPr>
+        <p:blipFill>
+          <a:blip r:embed="rId3"/>
+          <a:stretch>
+            <a:fillRect/>
+          </a:stretch>
+        </p:blipFill>
+        <p:spPr>
+          <a:xfrm>
+            <a:off x="1371600" y="1752600"/>
+            <a:ext cx="6087994" cy="4555810"/>
+          </a:xfrm>
+          <a:prstGeom prst="rect">
+            <a:avLst/>
+          </a:prstGeom>
+        </p:spPr>
+      </p:pic>
+      <p:sp>
+        <p:nvSpPr>
+          <p:cNvPr id="4" name="TextBox 3"/>
+          <p:cNvSpPr txBox="1"/>
+          <p:nvPr>
+            <p:extLst>
+              <p:ext uri="{D42A27DB-BD31-4B8C-83A1-F6EECF244321}">
+                <p14:modId xmlns:p14="http://schemas.microsoft.com/office/powerpoint/2010/main" val="4291722782"/>
+              </p:ext>
+            </p:extLst>
+          </p:nvPr>
+        </p:nvSpPr>
+        <p:spPr>
+          <a:xfrm>
+            <a:off x="7754231" y="1752600"/>
+            <a:ext cx="3666702" cy="2031325"/>
+          </a:xfrm>
+          <a:prstGeom prst="rect">
+            <a:avLst/>
+          </a:prstGeom>
+        </p:spPr>
+        <p:txBody>
+          <a:bodyPr rot="0" spcFirstLastPara="0" vertOverflow="overflow" horzOverflow="overflow" vert="horz" wrap="square" lIns="91440" tIns="45720" rIns="91440" bIns="45720" numCol="1" spcCol="0" rtlCol="0" fromWordArt="0" anchor="t" anchorCtr="0" forceAA="0" compatLnSpc="1">
+            <a:prstTxWarp prst="textNoShape">
+              <a:avLst/>
+            </a:prstTxWarp>
+            <a:spAutoFit/>
+          </a:bodyPr>
+          <a:lstStyle/>
+          <a:p>
+            <a:pPr algn="ctr"/>
+            <a:r>
+              <a:rPr lang="en-US" dirty="0"/>
+              <a:t>Once we have highlighted multiple lines we can use the '⌘' (command -  apple, ctrl - windows) + '/' to comment out multiple lines of code. Useful when we are getting an error message but not sure what part of the code is causing the error.</a:t>
+            </a:r>
+          </a:p>
+        </p:txBody>
+      </p:sp>
+    </p:spTree>
+    <p:extLst>
+      <p:ext uri="{BB962C8B-B14F-4D97-AF65-F5344CB8AC3E}">
+        <p14:creationId xmlns:p14="http://schemas.microsoft.com/office/powerpoint/2010/main" val="2489338513"/>
+      </p:ext>
+    </p:extLst>
+  </p:cSld>
+  <p:clrMapOvr>
+    <a:masterClrMapping/>
+  </p:clrMapOvr>
+</p:sld>
+</file>
+
+<file path=ppt/slides/slide7.xml><?xml version="1.0" encoding="utf-8"?>
+<p:sld xmlns:a="http://schemas.openxmlformats.org/drawingml/2006/main" xmlns:r="http://schemas.openxmlformats.org/officeDocument/2006/relationships" xmlns:p="http://schemas.openxmlformats.org/presentationml/2006/main">
+  <p:cSld>
+    <p:spTree>
+      <p:nvGrpSpPr>
+        <p:cNvPr id="1" name=""/>
+        <p:cNvGrpSpPr/>
+        <p:nvPr/>
+      </p:nvGrpSpPr>
+      <p:grpSpPr>
+        <a:xfrm>
+          <a:off x="0" y="0"/>
+          <a:ext cx="0" cy="0"/>
+          <a:chOff x="0" y="0"/>
+          <a:chExt cx="0" cy="0"/>
+        </a:xfrm>
+      </p:grpSpPr>
+      <p:sp>
+        <p:nvSpPr>
+          <p:cNvPr id="2" name="Title 1"/>
+          <p:cNvSpPr>
+            <a:spLocks noGrp="1"/>
+          </p:cNvSpPr>
+          <p:nvPr>
+            <p:ph type="title"/>
+            <p:extLst>
+              <p:ext uri="{D42A27DB-BD31-4B8C-83A1-F6EECF244321}">
+                <p14:modId xmlns:p14="http://schemas.microsoft.com/office/powerpoint/2010/main" val="3504565338"/>
+              </p:ext>
+            </p:extLst>
+          </p:nvPr>
+        </p:nvSpPr>
+        <p:spPr/>
+        <p:txBody>
+          <a:bodyPr/>
+          <a:lstStyle/>
+          <a:p>
+            <a:pPr algn="ctr"/>
+            <a:r>
+              <a:rPr lang="en-US" dirty="0"/>
+              <a:t>Move multiple</a:t>
+            </a:r>
+            <a:r>
+              <a:rPr lang="en-US" dirty="0">
+                <a:solidFill>
+                  <a:srgbClr val="191B0E"/>
+                </a:solidFill>
+              </a:rPr>
+              <a:t> lines</a:t>
+            </a:r>
+          </a:p>
+        </p:txBody>
+      </p:sp>
+      <p:pic>
+        <p:nvPicPr>
+          <p:cNvPr id="5" name="Picture 5" descr="move text.gif"/>
+          <p:cNvPicPr>
+            <a:picLocks noGrp="1" noChangeAspect="1"/>
+          </p:cNvPicPr>
+          <p:nvPr>
+            <p:ph idx="1"/>
+          </p:nvPr>
+        </p:nvPicPr>
+        <p:blipFill>
+          <a:blip r:embed="rId3"/>
+          <a:stretch>
+            <a:fillRect/>
+          </a:stretch>
+        </p:blipFill>
+        <p:spPr>
+          <a:xfrm>
+            <a:off x="1371600" y="1757654"/>
+            <a:ext cx="6087994" cy="4545702"/>
+          </a:xfrm>
+          <a:prstGeom prst="rect">
+            <a:avLst/>
+          </a:prstGeom>
+        </p:spPr>
+      </p:pic>
+      <p:sp>
+        <p:nvSpPr>
+          <p:cNvPr id="4" name="TextBox 3"/>
+          <p:cNvSpPr txBox="1"/>
+          <p:nvPr>
+            <p:extLst>
+              <p:ext uri="{D42A27DB-BD31-4B8C-83A1-F6EECF244321}">
+                <p14:modId xmlns:p14="http://schemas.microsoft.com/office/powerpoint/2010/main" val="1009106198"/>
+              </p:ext>
+            </p:extLst>
+          </p:nvPr>
+        </p:nvSpPr>
+        <p:spPr>
+          <a:xfrm>
+            <a:off x="7754231" y="1752600"/>
+            <a:ext cx="3666702" cy="2031325"/>
+          </a:xfrm>
+          <a:prstGeom prst="rect">
+            <a:avLst/>
+          </a:prstGeom>
+        </p:spPr>
+        <p:txBody>
+          <a:bodyPr rot="0" spcFirstLastPara="0" vertOverflow="overflow" horzOverflow="overflow" vert="horz" wrap="square" lIns="91440" tIns="45720" rIns="91440" bIns="45720" numCol="1" spcCol="0" rtlCol="0" fromWordArt="0" anchor="t" anchorCtr="0" forceAA="0" compatLnSpc="1">
+            <a:prstTxWarp prst="textNoShape">
+              <a:avLst/>
+            </a:prstTxWarp>
+            <a:spAutoFit/>
+          </a:bodyPr>
+          <a:lstStyle/>
+          <a:p>
+            <a:pPr algn="ctr"/>
+            <a:r>
+              <a:rPr lang="en-US" dirty="0"/>
+              <a:t>Once we have highlighted multiple lines we can use the '⌥' (option -  apple, alt - windows) + ↑ or ↓ arrows to move multiple lines of code. In the example shown we move the function declaration above the line where we call it.</a:t>
+            </a:r>
+          </a:p>
+        </p:txBody>
+      </p:sp>
+    </p:spTree>
+    <p:extLst>
+      <p:ext uri="{BB962C8B-B14F-4D97-AF65-F5344CB8AC3E}">
+        <p14:creationId xmlns:p14="http://schemas.microsoft.com/office/powerpoint/2010/main" val="2596978418"/>
+      </p:ext>
+    </p:extLst>
+  </p:cSld>
+  <p:clrMapOvr>
+    <a:masterClrMapping/>
+  </p:clrMapOvr>
+</p:sld>
+</file>
+
+<file path=ppt/slides/slide8.xml><?xml version="1.0" encoding="utf-8"?>
+<p:sld xmlns:a="http://schemas.openxmlformats.org/drawingml/2006/main" xmlns:r="http://schemas.openxmlformats.org/officeDocument/2006/relationships" xmlns:p="http://schemas.openxmlformats.org/presentationml/2006/main">
+  <p:cSld>
+    <p:spTree>
+      <p:nvGrpSpPr>
+        <p:cNvPr id="1" name=""/>
+        <p:cNvGrpSpPr/>
+        <p:nvPr/>
+      </p:nvGrpSpPr>
+      <p:grpSpPr>
+        <a:xfrm>
+          <a:off x="0" y="0"/>
+          <a:ext cx="0" cy="0"/>
+          <a:chOff x="0" y="0"/>
+          <a:chExt cx="0" cy="0"/>
+        </a:xfrm>
+      </p:grpSpPr>
+      <p:sp>
+        <p:nvSpPr>
+          <p:cNvPr id="2" name="Title 1"/>
+          <p:cNvSpPr>
+            <a:spLocks noGrp="1"/>
+          </p:cNvSpPr>
+          <p:nvPr>
+            <p:ph type="title"/>
+            <p:extLst>
+              <p:ext uri="{D42A27DB-BD31-4B8C-83A1-F6EECF244321}">
+                <p14:modId xmlns:p14="http://schemas.microsoft.com/office/powerpoint/2010/main" val="3200014869"/>
+              </p:ext>
+            </p:extLst>
+          </p:nvPr>
+        </p:nvSpPr>
+        <p:spPr/>
+        <p:txBody>
+          <a:bodyPr/>
+          <a:lstStyle/>
+          <a:p>
+            <a:pPr algn="ctr"/>
+            <a:r>
+              <a:rPr lang="en-US" dirty="0"/>
+              <a:t>Indent multiple</a:t>
+            </a:r>
+            <a:r>
+              <a:rPr lang="en-US" dirty="0">
+                <a:solidFill>
+                  <a:srgbClr val="191B0E"/>
+                </a:solidFill>
+              </a:rPr>
+              <a:t> lines</a:t>
+            </a:r>
+          </a:p>
+        </p:txBody>
+      </p:sp>
+      <p:pic>
+        <p:nvPicPr>
+          <p:cNvPr id="5" name="Picture 5" descr="move text.gif"/>
+          <p:cNvPicPr>
+            <a:picLocks noGrp="1" noChangeAspect="1"/>
+          </p:cNvPicPr>
+          <p:nvPr>
+            <p:ph idx="1"/>
+          </p:nvPr>
+        </p:nvPicPr>
+        <p:blipFill>
+          <a:blip r:embed="rId3"/>
+          <a:stretch>
+            <a:fillRect/>
+          </a:stretch>
+        </p:blipFill>
+        <p:spPr>
+          <a:xfrm>
+            <a:off x="1371600" y="1757654"/>
+            <a:ext cx="6087994" cy="4545702"/>
+          </a:xfrm>
+          <a:prstGeom prst="rect">
+            <a:avLst/>
+          </a:prstGeom>
+        </p:spPr>
+      </p:pic>
+      <p:sp>
+        <p:nvSpPr>
+          <p:cNvPr id="4" name="TextBox 3"/>
+          <p:cNvSpPr txBox="1"/>
+          <p:nvPr>
+            <p:extLst>
+              <p:ext uri="{D42A27DB-BD31-4B8C-83A1-F6EECF244321}">
+                <p14:modId xmlns:p14="http://schemas.microsoft.com/office/powerpoint/2010/main" val="2965978264"/>
+              </p:ext>
+            </p:extLst>
+          </p:nvPr>
+        </p:nvSpPr>
+        <p:spPr>
+          <a:xfrm>
+            <a:off x="7754231" y="1752600"/>
+            <a:ext cx="3666702" cy="2031325"/>
+          </a:xfrm>
+          <a:prstGeom prst="rect">
+            <a:avLst/>
+          </a:prstGeom>
+        </p:spPr>
+        <p:txBody>
+          <a:bodyPr rot="0" spcFirstLastPara="0" vertOverflow="overflow" horzOverflow="overflow" vert="horz" wrap="square" lIns="91440" tIns="45720" rIns="91440" bIns="45720" numCol="1" spcCol="0" rtlCol="0" fromWordArt="0" anchor="t" anchorCtr="0" forceAA="0" compatLnSpc="1">
+            <a:prstTxWarp prst="textNoShape">
+              <a:avLst/>
+            </a:prstTxWarp>
+            <a:spAutoFit/>
+          </a:bodyPr>
+          <a:lstStyle/>
+          <a:p>
+            <a:pPr algn="ctr"/>
+            <a:r>
+              <a:rPr lang="en-US" dirty="0"/>
+              <a:t>Once we have highlighted multiple lines we can use the '⌘' + ] or [ increase or decrease the indentation of multiple lines of code. This is useful as we refactor our code moving lines of code into its own function.</a:t>
+            </a:r>
+          </a:p>
+        </p:txBody>
+      </p:sp>
+    </p:spTree>
+    <p:extLst>
+      <p:ext uri="{BB962C8B-B14F-4D97-AF65-F5344CB8AC3E}">
+        <p14:creationId xmlns:p14="http://schemas.microsoft.com/office/powerpoint/2010/main" val="3397886615"/>
+      </p:ext>
+    </p:extLst>
+  </p:cSld>
+  <p:clrMapOvr>
+    <a:masterClrMapping/>
+  </p:clrMapOvr>
+</p:sld>
+</file>
+
+<file path=ppt/slides/slide9.xml><?xml version="1.0" encoding="utf-8"?>
+<p:sld xmlns:a="http://schemas.openxmlformats.org/drawingml/2006/main" xmlns:r="http://schemas.openxmlformats.org/officeDocument/2006/relationships" xmlns:p="http://schemas.openxmlformats.org/presentationml/2006/main">
+  <p:cSld>
+    <p:spTree>
+      <p:nvGrpSpPr>
+        <p:cNvPr id="1" name=""/>
+        <p:cNvGrpSpPr/>
+        <p:nvPr/>
+      </p:nvGrpSpPr>
+      <p:grpSpPr>
+        <a:xfrm>
+          <a:off x="0" y="0"/>
+          <a:ext cx="0" cy="0"/>
+          <a:chOff x="0" y="0"/>
+          <a:chExt cx="0" cy="0"/>
+        </a:xfrm>
+      </p:grpSpPr>
+      <p:sp>
+        <p:nvSpPr>
+          <p:cNvPr id="2" name="Title 1"/>
+          <p:cNvSpPr>
+            <a:spLocks noGrp="1"/>
+          </p:cNvSpPr>
+          <p:nvPr>
+            <p:ph type="title"/>
+            <p:extLst>
+              <p:ext uri="{D42A27DB-BD31-4B8C-83A1-F6EECF244321}">
+                <p14:modId xmlns:p14="http://schemas.microsoft.com/office/powerpoint/2010/main" val="555671989"/>
+              </p:ext>
+            </p:extLst>
+          </p:nvPr>
+        </p:nvSpPr>
+        <p:spPr/>
+        <p:txBody>
+          <a:bodyPr/>
+          <a:lstStyle/>
+          <a:p>
+            <a:pPr algn="ctr"/>
+            <a:r>
+              <a:rPr lang="en-US" dirty="0">
+                <a:solidFill>
+                  <a:srgbClr val="191B0E"/>
+                </a:solidFill>
+              </a:rPr>
+              <a:t>Multiple cursors</a:t>
+            </a:r>
+          </a:p>
+        </p:txBody>
+      </p:sp>
+      <p:pic>
+        <p:nvPicPr>
+          <p:cNvPr id="5" name="Picture 5" descr="commandD.gif"/>
+          <p:cNvPicPr>
+            <a:picLocks noGrp="1" noChangeAspect="1"/>
+          </p:cNvPicPr>
+          <p:nvPr>
+            <p:ph idx="1"/>
+          </p:nvPr>
+        </p:nvPicPr>
+        <p:blipFill>
+          <a:blip r:embed="rId3"/>
+          <a:stretch>
+            <a:fillRect/>
+          </a:stretch>
+        </p:blipFill>
+        <p:spPr>
+          <a:xfrm>
+            <a:off x="1385129" y="1757654"/>
+            <a:ext cx="6060936" cy="4545702"/>
+          </a:xfrm>
+          <a:prstGeom prst="rect">
+            <a:avLst/>
+          </a:prstGeom>
+        </p:spPr>
+      </p:pic>
+      <p:sp>
+        <p:nvSpPr>
+          <p:cNvPr id="4" name="TextBox 3"/>
+          <p:cNvSpPr txBox="1"/>
+          <p:nvPr>
+            <p:extLst>
+              <p:ext uri="{D42A27DB-BD31-4B8C-83A1-F6EECF244321}">
+                <p14:modId xmlns:p14="http://schemas.microsoft.com/office/powerpoint/2010/main" val="3159621125"/>
+              </p:ext>
+            </p:extLst>
+          </p:nvPr>
+        </p:nvSpPr>
+        <p:spPr>
+          <a:xfrm>
+            <a:off x="7754231" y="1752600"/>
+            <a:ext cx="3666702" cy="2031325"/>
+          </a:xfrm>
+          <a:prstGeom prst="rect">
+            <a:avLst/>
+          </a:prstGeom>
+        </p:spPr>
+        <p:txBody>
+          <a:bodyPr rot="0" spcFirstLastPara="0" vertOverflow="overflow" horzOverflow="overflow" vert="horz" wrap="square" lIns="91440" tIns="45720" rIns="91440" bIns="45720" numCol="1" spcCol="0" rtlCol="0" fromWordArt="0" anchor="t" anchorCtr="0" forceAA="0" compatLnSpc="1">
+            <a:prstTxWarp prst="textNoShape">
+              <a:avLst/>
+            </a:prstTxWarp>
+            <a:spAutoFit/>
+          </a:bodyPr>
+          <a:lstStyle/>
+          <a:p>
+            <a:pPr algn="ctr"/>
+            <a:r>
+              <a:rPr lang="en-US" dirty="0"/>
+              <a:t>Using the '⌘' + d combination we can select multiple instances of a variable. Each time we press '⌘' + d we highlight the next instance of the variable. Once we start typing the input of the keyboard modifies each selection we have highlighted.</a:t>
+            </a:r>
+          </a:p>
+        </p:txBody>
+      </p:sp>
+    </p:spTree>
+    <p:extLst>
+      <p:ext uri="{BB962C8B-B14F-4D97-AF65-F5344CB8AC3E}">
+        <p14:creationId xmlns:p14="http://schemas.microsoft.com/office/powerpoint/2010/main" val="710008241"/>
       </p:ext>
     </p:extLst>
   </p:cSld>

--- a/Presentation.pptx
+++ b/Presentation.pptx
@@ -627,7 +627,7 @@
           <a:p>
             <a:fld id="{103BE25F-A7DE-45AC-A340-5D390290421E}" type="slidenum">
               <a:rPr lang="en-US"/>
-              <a:t>6</a:t>
+              <a:t>11</a:t>
             </a:fld>
             <a:endParaRPr lang="en-US"/>
           </a:p>
@@ -795,7 +795,7 @@
           <a:p>
             <a:fld id="{103BE25F-A7DE-45AC-A340-5D390290421E}" type="slidenum">
               <a:rPr lang="en-US"/>
-              <a:t>11</a:t>
+              <a:t>13</a:t>
             </a:fld>
             <a:endParaRPr lang="en-US"/>
           </a:p>
@@ -879,7 +879,7 @@
           <a:p>
             <a:fld id="{103BE25F-A7DE-45AC-A340-5D390290421E}" type="slidenum">
               <a:rPr lang="en-US"/>
-              <a:t>11</a:t>
+              <a:t>14</a:t>
             </a:fld>
             <a:endParaRPr lang="en-US"/>
           </a:p>
@@ -963,7 +963,7 @@
           <a:p>
             <a:fld id="{103BE25F-A7DE-45AC-A340-5D390290421E}" type="slidenum">
               <a:rPr lang="en-US"/>
-              <a:t>13</a:t>
+              <a:t>15</a:t>
             </a:fld>
             <a:endParaRPr lang="en-US"/>
           </a:p>
@@ -7270,7 +7270,7 @@
       </p:sp>
       <p:pic>
         <p:nvPicPr>
-          <p:cNvPr id="5" name="Picture 5" descr="move text.gif"/>
+          <p:cNvPr id="5" name="Picture 5" descr="indent-2-b7526f6de3.gif"/>
           <p:cNvPicPr>
             <a:picLocks noGrp="1" noChangeAspect="1"/>
           </p:cNvPicPr>
@@ -7286,8 +7286,8 @@
         </p:blipFill>
         <p:spPr>
           <a:xfrm>
-            <a:off x="1371600" y="1757654"/>
-            <a:ext cx="6087994" cy="4545702"/>
+            <a:off x="1378380" y="1757654"/>
+            <a:ext cx="6074434" cy="4545702"/>
           </a:xfrm>
           <a:prstGeom prst="rect">
             <a:avLst/>
